--- a/content/docs/record/kubernetes-data-platform-raspberrypi5-jetnano-cluster/images/images.pptx
+++ b/content/docs/record/kubernetes-data-platform-raspberrypi5-jetnano-cluster/images/images.pptx
@@ -5,14 +5,15 @@
     <p:sldMasterId id="2147483648" r:id="rId1"/>
   </p:sldMasterIdLst>
   <p:notesMasterIdLst>
-    <p:notesMasterId r:id="rId7"/>
+    <p:notesMasterId r:id="rId8"/>
   </p:notesMasterIdLst>
   <p:sldIdLst>
     <p:sldId id="403" r:id="rId2"/>
     <p:sldId id="404" r:id="rId3"/>
     <p:sldId id="396" r:id="rId4"/>
-    <p:sldId id="406" r:id="rId5"/>
-    <p:sldId id="405" r:id="rId6"/>
+    <p:sldId id="407" r:id="rId5"/>
+    <p:sldId id="406" r:id="rId6"/>
+    <p:sldId id="405" r:id="rId7"/>
   </p:sldIdLst>
   <p:sldSz cx="9144000" cy="5143500" type="screen16x9"/>
   <p:notesSz cx="6858000" cy="9144000"/>
@@ -217,7 +218,7 @@
           <a:p>
             <a:fld id="{6CD5550B-26C4-49A9-A5BA-636EF7BE6CE9}" type="datetimeFigureOut">
               <a:rPr lang="ko-KR" altLang="en-US" smtClean="0"/>
-              <a:t>2024. 12. 19.</a:t>
+              <a:t>2024. 12. 22.</a:t>
             </a:fld>
             <a:endParaRPr lang="ko-KR" altLang="en-US"/>
           </a:p>
@@ -726,7 +727,7 @@
     </p:spTree>
     <p:extLst>
       <p:ext uri="{BB962C8B-B14F-4D97-AF65-F5344CB8AC3E}">
-        <p14:creationId xmlns:p14="http://schemas.microsoft.com/office/powerpoint/2010/main" val="3499440931"/>
+        <p14:creationId xmlns:p14="http://schemas.microsoft.com/office/powerpoint/2010/main" val="3039064073"/>
       </p:ext>
     </p:extLst>
   </p:cSld>
@@ -802,6 +803,90 @@
             <a:fld id="{BA5DFA43-8D57-47FB-BC46-057616015C3B}" type="slidenum">
               <a:rPr lang="ko-KR" altLang="en-US" smtClean="0"/>
               <a:t>5</a:t>
+            </a:fld>
+            <a:endParaRPr lang="ko-KR" altLang="en-US"/>
+          </a:p>
+        </p:txBody>
+      </p:sp>
+    </p:spTree>
+    <p:extLst>
+      <p:ext uri="{BB962C8B-B14F-4D97-AF65-F5344CB8AC3E}">
+        <p14:creationId xmlns:p14="http://schemas.microsoft.com/office/powerpoint/2010/main" val="3499440931"/>
+      </p:ext>
+    </p:extLst>
+  </p:cSld>
+  <p:clrMapOvr>
+    <a:masterClrMapping/>
+  </p:clrMapOvr>
+</p:notes>
+</file>
+
+<file path=ppt/notesSlides/notesSlide5.xml><?xml version="1.0" encoding="utf-8"?>
+<p:notes xmlns:a="http://schemas.openxmlformats.org/drawingml/2006/main" xmlns:r="http://schemas.openxmlformats.org/officeDocument/2006/relationships" xmlns:p="http://schemas.openxmlformats.org/presentationml/2006/main">
+  <p:cSld>
+    <p:spTree>
+      <p:nvGrpSpPr>
+        <p:cNvPr id="1" name=""/>
+        <p:cNvGrpSpPr/>
+        <p:nvPr/>
+      </p:nvGrpSpPr>
+      <p:grpSpPr>
+        <a:xfrm>
+          <a:off x="0" y="0"/>
+          <a:ext cx="0" cy="0"/>
+          <a:chOff x="0" y="0"/>
+          <a:chExt cx="0" cy="0"/>
+        </a:xfrm>
+      </p:grpSpPr>
+      <p:sp>
+        <p:nvSpPr>
+          <p:cNvPr id="2" name="슬라이드 이미지 개체 틀 1"/>
+          <p:cNvSpPr>
+            <a:spLocks noGrp="1" noRot="1" noChangeAspect="1"/>
+          </p:cNvSpPr>
+          <p:nvPr>
+            <p:ph type="sldImg"/>
+          </p:nvPr>
+        </p:nvSpPr>
+        <p:spPr/>
+      </p:sp>
+      <p:sp>
+        <p:nvSpPr>
+          <p:cNvPr id="3" name="슬라이드 노트 개체 틀 2"/>
+          <p:cNvSpPr>
+            <a:spLocks noGrp="1"/>
+          </p:cNvSpPr>
+          <p:nvPr>
+            <p:ph type="body" idx="1"/>
+          </p:nvPr>
+        </p:nvSpPr>
+        <p:spPr/>
+        <p:txBody>
+          <a:bodyPr/>
+          <a:lstStyle/>
+          <a:p>
+            <a:endParaRPr lang="ko-KR" altLang="en-US" dirty="0"/>
+          </a:p>
+        </p:txBody>
+      </p:sp>
+      <p:sp>
+        <p:nvSpPr>
+          <p:cNvPr id="4" name="슬라이드 번호 개체 틀 3"/>
+          <p:cNvSpPr>
+            <a:spLocks noGrp="1"/>
+          </p:cNvSpPr>
+          <p:nvPr>
+            <p:ph type="sldNum" sz="quarter" idx="10"/>
+          </p:nvPr>
+        </p:nvSpPr>
+        <p:spPr/>
+        <p:txBody>
+          <a:bodyPr/>
+          <a:lstStyle/>
+          <a:p>
+            <a:fld id="{BA5DFA43-8D57-47FB-BC46-057616015C3B}" type="slidenum">
+              <a:rPr lang="ko-KR" altLang="en-US" smtClean="0"/>
+              <a:t>6</a:t>
             </a:fld>
             <a:endParaRPr lang="ko-KR" altLang="en-US"/>
           </a:p>
@@ -999,7 +1084,7 @@
           <a:p>
             <a:fld id="{FB30EDBD-1C2D-4C1E-B459-B60219FAB484}" type="datetimeFigureOut">
               <a:rPr lang="ko-KR" altLang="en-US" smtClean="0"/>
-              <a:t>2024. 12. 19.</a:t>
+              <a:t>2024. 12. 22.</a:t>
             </a:fld>
             <a:endParaRPr lang="ko-KR" altLang="en-US"/>
           </a:p>
@@ -1162,7 +1247,7 @@
           <a:p>
             <a:fld id="{FB30EDBD-1C2D-4C1E-B459-B60219FAB484}" type="datetimeFigureOut">
               <a:rPr lang="ko-KR" altLang="en-US" smtClean="0"/>
-              <a:t>2024. 12. 19.</a:t>
+              <a:t>2024. 12. 22.</a:t>
             </a:fld>
             <a:endParaRPr lang="ko-KR" altLang="en-US"/>
           </a:p>
@@ -1335,7 +1420,7 @@
           <a:p>
             <a:fld id="{FB30EDBD-1C2D-4C1E-B459-B60219FAB484}" type="datetimeFigureOut">
               <a:rPr lang="ko-KR" altLang="en-US" smtClean="0"/>
-              <a:t>2024. 12. 19.</a:t>
+              <a:t>2024. 12. 22.</a:t>
             </a:fld>
             <a:endParaRPr lang="ko-KR" altLang="en-US"/>
           </a:p>
@@ -1498,7 +1583,7 @@
           <a:p>
             <a:fld id="{FB30EDBD-1C2D-4C1E-B459-B60219FAB484}" type="datetimeFigureOut">
               <a:rPr lang="ko-KR" altLang="en-US" smtClean="0"/>
-              <a:t>2024. 12. 19.</a:t>
+              <a:t>2024. 12. 22.</a:t>
             </a:fld>
             <a:endParaRPr lang="ko-KR" altLang="en-US"/>
           </a:p>
@@ -1738,7 +1823,7 @@
           <a:p>
             <a:fld id="{FB30EDBD-1C2D-4C1E-B459-B60219FAB484}" type="datetimeFigureOut">
               <a:rPr lang="ko-KR" altLang="en-US" smtClean="0"/>
-              <a:t>2024. 12. 19.</a:t>
+              <a:t>2024. 12. 22.</a:t>
             </a:fld>
             <a:endParaRPr lang="ko-KR" altLang="en-US"/>
           </a:p>
@@ -2018,7 +2103,7 @@
           <a:p>
             <a:fld id="{FB30EDBD-1C2D-4C1E-B459-B60219FAB484}" type="datetimeFigureOut">
               <a:rPr lang="ko-KR" altLang="en-US" smtClean="0"/>
-              <a:t>2024. 12. 19.</a:t>
+              <a:t>2024. 12. 22.</a:t>
             </a:fld>
             <a:endParaRPr lang="ko-KR" altLang="en-US"/>
           </a:p>
@@ -2432,7 +2517,7 @@
           <a:p>
             <a:fld id="{FB30EDBD-1C2D-4C1E-B459-B60219FAB484}" type="datetimeFigureOut">
               <a:rPr lang="ko-KR" altLang="en-US" smtClean="0"/>
-              <a:t>2024. 12. 19.</a:t>
+              <a:t>2024. 12. 22.</a:t>
             </a:fld>
             <a:endParaRPr lang="ko-KR" altLang="en-US"/>
           </a:p>
@@ -2544,7 +2629,7 @@
           <a:p>
             <a:fld id="{FB30EDBD-1C2D-4C1E-B459-B60219FAB484}" type="datetimeFigureOut">
               <a:rPr lang="ko-KR" altLang="en-US" smtClean="0"/>
-              <a:t>2024. 12. 19.</a:t>
+              <a:t>2024. 12. 22.</a:t>
             </a:fld>
             <a:endParaRPr lang="ko-KR" altLang="en-US"/>
           </a:p>
@@ -2634,7 +2719,7 @@
           <a:p>
             <a:fld id="{FB30EDBD-1C2D-4C1E-B459-B60219FAB484}" type="datetimeFigureOut">
               <a:rPr lang="ko-KR" altLang="en-US" smtClean="0"/>
-              <a:t>2024. 12. 19.</a:t>
+              <a:t>2024. 12. 22.</a:t>
             </a:fld>
             <a:endParaRPr lang="ko-KR" altLang="en-US"/>
           </a:p>
@@ -2904,7 +2989,7 @@
           <a:p>
             <a:fld id="{FB30EDBD-1C2D-4C1E-B459-B60219FAB484}" type="datetimeFigureOut">
               <a:rPr lang="ko-KR" altLang="en-US" smtClean="0"/>
-              <a:t>2024. 12. 19.</a:t>
+              <a:t>2024. 12. 22.</a:t>
             </a:fld>
             <a:endParaRPr lang="ko-KR" altLang="en-US"/>
           </a:p>
@@ -3151,7 +3236,7 @@
           <a:p>
             <a:fld id="{FB30EDBD-1C2D-4C1E-B459-B60219FAB484}" type="datetimeFigureOut">
               <a:rPr lang="ko-KR" altLang="en-US" smtClean="0"/>
-              <a:t>2024. 12. 19.</a:t>
+              <a:t>2024. 12. 22.</a:t>
             </a:fld>
             <a:endParaRPr lang="ko-KR" altLang="en-US"/>
           </a:p>
@@ -3357,7 +3442,7 @@
           <a:p>
             <a:fld id="{FB30EDBD-1C2D-4C1E-B459-B60219FAB484}" type="datetimeFigureOut">
               <a:rPr lang="ko-KR" altLang="en-US" smtClean="0"/>
-              <a:t>2024. 12. 19.</a:t>
+              <a:t>2024. 12. 22.</a:t>
             </a:fld>
             <a:endParaRPr lang="ko-KR" altLang="en-US"/>
           </a:p>
@@ -3829,7 +3914,7 @@
           <a:p>
             <a:r>
               <a:rPr lang="en-US" altLang="ko-KR" sz="900"/>
-              <a:t>Network : 192.168.4.41</a:t>
+              <a:t>Network : 192.168.1.71</a:t>
             </a:r>
           </a:p>
         </p:txBody>
@@ -3936,7 +4021,7 @@
           <a:p>
             <a:r>
               <a:rPr lang="en-US" altLang="ko-KR" sz="900"/>
-              <a:t>Network : 192.168.4.42</a:t>
+              <a:t>Network : 192.168.1.72</a:t>
             </a:r>
             <a:endParaRPr lang="en-US" altLang="ko-KR" sz="1200"/>
           </a:p>
@@ -4044,7 +4129,7 @@
           <a:p>
             <a:r>
               <a:rPr lang="en-US" altLang="ko-KR" sz="900"/>
-              <a:t>Network : 192.168.4.43</a:t>
+              <a:t>Network : 192.168.1.73</a:t>
             </a:r>
             <a:endParaRPr lang="en-US" altLang="ko-KR" sz="1200"/>
           </a:p>
@@ -4152,7 +4237,7 @@
           <a:p>
             <a:r>
               <a:rPr lang="en-US" altLang="ko-KR" sz="900"/>
-              <a:t>Network : 192.168.4.44</a:t>
+              <a:t>Network : 192.168.1.74</a:t>
             </a:r>
           </a:p>
         </p:txBody>
@@ -4259,7 +4344,7 @@
           <a:p>
             <a:r>
               <a:rPr lang="en-US" altLang="ko-KR" sz="900"/>
-              <a:t>Network : 192.168.4.45</a:t>
+              <a:t>Network : 192.168.1.75</a:t>
             </a:r>
             <a:endParaRPr lang="en-US" altLang="ko-KR" sz="1200"/>
           </a:p>
@@ -4367,7 +4452,7 @@
           <a:p>
             <a:r>
               <a:rPr lang="en-US" altLang="ko-KR" sz="900"/>
-              <a:t>Network : 192.168.4.46</a:t>
+              <a:t>Network : 192.168.1.76</a:t>
             </a:r>
           </a:p>
         </p:txBody>
@@ -4474,7 +4559,7 @@
           <a:p>
             <a:r>
               <a:rPr lang="en-US" altLang="ko-KR" sz="900"/>
-              <a:t>Network : 192.168.4.47</a:t>
+              <a:t>Network : 192.168.1.77</a:t>
             </a:r>
           </a:p>
         </p:txBody>
@@ -9074,6 +9159,1026 @@
           <a:chExt cx="0" cy="0"/>
         </a:xfrm>
       </p:grpSpPr>
+      <p:sp>
+        <p:nvSpPr>
+          <p:cNvPr id="36" name="모서리가 둥근 직사각형 13">
+            <a:extLst>
+              <a:ext uri="{FF2B5EF4-FFF2-40B4-BE49-F238E27FC236}">
+                <a16:creationId xmlns:a16="http://schemas.microsoft.com/office/drawing/2014/main" id="{BCA3531E-27BD-DD46-B0EB-B2F59CB06521}"/>
+              </a:ext>
+            </a:extLst>
+          </p:cNvPr>
+          <p:cNvSpPr/>
+          <p:nvPr/>
+        </p:nvSpPr>
+        <p:spPr>
+          <a:xfrm>
+            <a:off x="107504" y="2211710"/>
+            <a:ext cx="1944216" cy="1512167"/>
+          </a:xfrm>
+          <a:prstGeom prst="roundRect">
+            <a:avLst>
+              <a:gd name="adj" fmla="val 6281"/>
+            </a:avLst>
+          </a:prstGeom>
+          <a:noFill/>
+          <a:ln w="12700"/>
+        </p:spPr>
+        <p:style>
+          <a:lnRef idx="2">
+            <a:schemeClr val="dk1"/>
+          </a:lnRef>
+          <a:fillRef idx="1">
+            <a:schemeClr val="lt1"/>
+          </a:fillRef>
+          <a:effectRef idx="0">
+            <a:schemeClr val="dk1"/>
+          </a:effectRef>
+          <a:fontRef idx="minor">
+            <a:schemeClr val="dk1"/>
+          </a:fontRef>
+        </p:style>
+        <p:txBody>
+          <a:bodyPr rtlCol="0" anchor="t"/>
+          <a:lstStyle/>
+          <a:p>
+            <a:pPr algn="ctr"/>
+            <a:r>
+              <a:rPr lang="en-US" altLang="ko-KR" sz="1200" b="1"/>
+              <a:t>Master Node</a:t>
+            </a:r>
+            <a:br>
+              <a:rPr lang="en-US" altLang="ko-KR" sz="1200" b="1"/>
+            </a:br>
+            <a:r>
+              <a:rPr lang="en-US" altLang="ko-KR" sz="1200" b="1"/>
+              <a:t>/ Raspberry Pi 5</a:t>
+            </a:r>
+          </a:p>
+          <a:p>
+            <a:pPr algn="ctr"/>
+            <a:endParaRPr lang="en-US" altLang="ko-KR" sz="1200"/>
+          </a:p>
+          <a:p>
+            <a:r>
+              <a:rPr lang="en-US" altLang="ko-KR" sz="900"/>
+              <a:t>Hostname : dp-master.local</a:t>
+            </a:r>
+          </a:p>
+          <a:p>
+            <a:r>
+              <a:rPr lang="en-US" altLang="ko-KR" sz="900"/>
+              <a:t>OS : Ubuntu Server 24.04</a:t>
+            </a:r>
+          </a:p>
+          <a:p>
+            <a:r>
+              <a:rPr lang="en-US" altLang="ko-KR" sz="900"/>
+              <a:t>CPU : 4 Core</a:t>
+            </a:r>
+            <a:br>
+              <a:rPr lang="en-US" altLang="ko-KR" sz="900"/>
+            </a:br>
+            <a:r>
+              <a:rPr lang="en-US" altLang="ko-KR" sz="900"/>
+              <a:t>Memory : 8</a:t>
+            </a:r>
+            <a:r>
+              <a:rPr lang="ko-KR" altLang="en-US" sz="900"/>
+              <a:t> </a:t>
+            </a:r>
+            <a:r>
+              <a:rPr lang="en-US" altLang="ko-KR" sz="900"/>
+              <a:t>GB</a:t>
+            </a:r>
+          </a:p>
+          <a:p>
+            <a:r>
+              <a:rPr lang="en-US" altLang="ko-KR" sz="900"/>
+              <a:t>Storage : 64 GB</a:t>
+            </a:r>
+          </a:p>
+          <a:p>
+            <a:r>
+              <a:rPr lang="en-US" altLang="ko-KR" sz="900"/>
+              <a:t>Network : 192.168.1.71</a:t>
+            </a:r>
+          </a:p>
+        </p:txBody>
+      </p:sp>
+      <p:sp>
+        <p:nvSpPr>
+          <p:cNvPr id="67" name="모서리가 둥근 직사각형 13">
+            <a:extLst>
+              <a:ext uri="{FF2B5EF4-FFF2-40B4-BE49-F238E27FC236}">
+                <a16:creationId xmlns:a16="http://schemas.microsoft.com/office/drawing/2014/main" id="{5C0EC2F2-3E8D-494C-8731-A878FE3504DF}"/>
+              </a:ext>
+            </a:extLst>
+          </p:cNvPr>
+          <p:cNvSpPr/>
+          <p:nvPr/>
+        </p:nvSpPr>
+        <p:spPr>
+          <a:xfrm>
+            <a:off x="2267744" y="1364457"/>
+            <a:ext cx="2088232" cy="1512167"/>
+          </a:xfrm>
+          <a:prstGeom prst="roundRect">
+            <a:avLst>
+              <a:gd name="adj" fmla="val 6281"/>
+            </a:avLst>
+          </a:prstGeom>
+          <a:noFill/>
+          <a:ln w="12700"/>
+        </p:spPr>
+        <p:style>
+          <a:lnRef idx="2">
+            <a:schemeClr val="dk1"/>
+          </a:lnRef>
+          <a:fillRef idx="1">
+            <a:schemeClr val="lt1"/>
+          </a:fillRef>
+          <a:effectRef idx="0">
+            <a:schemeClr val="dk1"/>
+          </a:effectRef>
+          <a:fontRef idx="minor">
+            <a:schemeClr val="dk1"/>
+          </a:fontRef>
+        </p:style>
+        <p:txBody>
+          <a:bodyPr rtlCol="0" anchor="t"/>
+          <a:lstStyle/>
+          <a:p>
+            <a:pPr algn="ctr"/>
+            <a:r>
+              <a:rPr lang="en-US" altLang="ko-KR" sz="1200" b="1"/>
+              <a:t>Compute Node 01</a:t>
+            </a:r>
+            <a:br>
+              <a:rPr lang="en-US" altLang="ko-KR" sz="1200" b="1"/>
+            </a:br>
+            <a:r>
+              <a:rPr lang="en-US" altLang="ko-KR" sz="1200" b="1"/>
+              <a:t>/ Raspberry Pi 5</a:t>
+            </a:r>
+          </a:p>
+          <a:p>
+            <a:pPr algn="ctr"/>
+            <a:endParaRPr lang="en-US" altLang="ko-KR" sz="1200"/>
+          </a:p>
+          <a:p>
+            <a:r>
+              <a:rPr lang="en-US" altLang="ko-KR" sz="900"/>
+              <a:t>Hostname : dp-compute-01.local</a:t>
+            </a:r>
+          </a:p>
+          <a:p>
+            <a:r>
+              <a:rPr lang="en-US" altLang="ko-KR" sz="900"/>
+              <a:t>OS : Ubuntu Server 24.04</a:t>
+            </a:r>
+          </a:p>
+          <a:p>
+            <a:r>
+              <a:rPr lang="en-US" altLang="ko-KR" sz="900"/>
+              <a:t>CPU : 4 Core</a:t>
+            </a:r>
+            <a:br>
+              <a:rPr lang="en-US" altLang="ko-KR" sz="900"/>
+            </a:br>
+            <a:r>
+              <a:rPr lang="en-US" altLang="ko-KR" sz="900"/>
+              <a:t>Memory : 8</a:t>
+            </a:r>
+            <a:r>
+              <a:rPr lang="ko-KR" altLang="en-US" sz="900"/>
+              <a:t> </a:t>
+            </a:r>
+            <a:r>
+              <a:rPr lang="en-US" altLang="ko-KR" sz="900"/>
+              <a:t>GB</a:t>
+            </a:r>
+          </a:p>
+          <a:p>
+            <a:r>
+              <a:rPr lang="en-US" altLang="ko-KR" sz="900"/>
+              <a:t>Storage : 64 GB</a:t>
+            </a:r>
+          </a:p>
+          <a:p>
+            <a:r>
+              <a:rPr lang="en-US" altLang="ko-KR" sz="900"/>
+              <a:t>Network : 192.168.1.72</a:t>
+            </a:r>
+            <a:endParaRPr lang="en-US" altLang="ko-KR" sz="1200"/>
+          </a:p>
+        </p:txBody>
+      </p:sp>
+      <p:sp>
+        <p:nvSpPr>
+          <p:cNvPr id="68" name="모서리가 둥근 직사각형 13">
+            <a:extLst>
+              <a:ext uri="{FF2B5EF4-FFF2-40B4-BE49-F238E27FC236}">
+                <a16:creationId xmlns:a16="http://schemas.microsoft.com/office/drawing/2014/main" id="{66FEC80C-0A55-7143-AB39-488E91413BDC}"/>
+              </a:ext>
+            </a:extLst>
+          </p:cNvPr>
+          <p:cNvSpPr/>
+          <p:nvPr/>
+        </p:nvSpPr>
+        <p:spPr>
+          <a:xfrm>
+            <a:off x="2267744" y="3075805"/>
+            <a:ext cx="2088232" cy="1512167"/>
+          </a:xfrm>
+          <a:prstGeom prst="roundRect">
+            <a:avLst>
+              <a:gd name="adj" fmla="val 6281"/>
+            </a:avLst>
+          </a:prstGeom>
+          <a:noFill/>
+          <a:ln w="12700"/>
+        </p:spPr>
+        <p:style>
+          <a:lnRef idx="2">
+            <a:schemeClr val="dk1"/>
+          </a:lnRef>
+          <a:fillRef idx="1">
+            <a:schemeClr val="lt1"/>
+          </a:fillRef>
+          <a:effectRef idx="0">
+            <a:schemeClr val="dk1"/>
+          </a:effectRef>
+          <a:fontRef idx="minor">
+            <a:schemeClr val="dk1"/>
+          </a:fontRef>
+        </p:style>
+        <p:txBody>
+          <a:bodyPr rtlCol="0" anchor="t"/>
+          <a:lstStyle/>
+          <a:p>
+            <a:pPr algn="ctr"/>
+            <a:r>
+              <a:rPr lang="en-US" altLang="ko-KR" sz="1200" b="1"/>
+              <a:t>Compute Node 01</a:t>
+            </a:r>
+            <a:br>
+              <a:rPr lang="en-US" altLang="ko-KR" sz="1200" b="1"/>
+            </a:br>
+            <a:r>
+              <a:rPr lang="en-US" altLang="ko-KR" sz="1200" b="1"/>
+              <a:t>/ Raspberry Pi 5</a:t>
+            </a:r>
+          </a:p>
+          <a:p>
+            <a:pPr algn="ctr"/>
+            <a:endParaRPr lang="en-US" altLang="ko-KR" sz="1200"/>
+          </a:p>
+          <a:p>
+            <a:r>
+              <a:rPr lang="en-US" altLang="ko-KR" sz="900"/>
+              <a:t>Hostname : dp-compute-02.local</a:t>
+            </a:r>
+          </a:p>
+          <a:p>
+            <a:r>
+              <a:rPr lang="en-US" altLang="ko-KR" sz="900"/>
+              <a:t>OS : Ubuntu Server 24.04</a:t>
+            </a:r>
+          </a:p>
+          <a:p>
+            <a:r>
+              <a:rPr lang="en-US" altLang="ko-KR" sz="900"/>
+              <a:t>CPU : 4 Core</a:t>
+            </a:r>
+            <a:br>
+              <a:rPr lang="en-US" altLang="ko-KR" sz="900"/>
+            </a:br>
+            <a:r>
+              <a:rPr lang="en-US" altLang="ko-KR" sz="900"/>
+              <a:t>Memory : 8</a:t>
+            </a:r>
+            <a:r>
+              <a:rPr lang="ko-KR" altLang="en-US" sz="900"/>
+              <a:t> </a:t>
+            </a:r>
+            <a:r>
+              <a:rPr lang="en-US" altLang="ko-KR" sz="900"/>
+              <a:t>GB</a:t>
+            </a:r>
+          </a:p>
+          <a:p>
+            <a:r>
+              <a:rPr lang="en-US" altLang="ko-KR" sz="900"/>
+              <a:t>Storage : 64 GB</a:t>
+            </a:r>
+          </a:p>
+          <a:p>
+            <a:r>
+              <a:rPr lang="en-US" altLang="ko-KR" sz="900"/>
+              <a:t>Network : 192.168.1.73</a:t>
+            </a:r>
+            <a:endParaRPr lang="en-US" altLang="ko-KR" sz="1200"/>
+          </a:p>
+        </p:txBody>
+      </p:sp>
+      <p:sp>
+        <p:nvSpPr>
+          <p:cNvPr id="69" name="모서리가 둥근 직사각형 13">
+            <a:extLst>
+              <a:ext uri="{FF2B5EF4-FFF2-40B4-BE49-F238E27FC236}">
+                <a16:creationId xmlns:a16="http://schemas.microsoft.com/office/drawing/2014/main" id="{A492CEAB-62B2-5940-A2C6-45C1FE4BB4FD}"/>
+              </a:ext>
+            </a:extLst>
+          </p:cNvPr>
+          <p:cNvSpPr/>
+          <p:nvPr/>
+        </p:nvSpPr>
+        <p:spPr>
+          <a:xfrm>
+            <a:off x="4535996" y="1364457"/>
+            <a:ext cx="2088232" cy="1512167"/>
+          </a:xfrm>
+          <a:prstGeom prst="roundRect">
+            <a:avLst>
+              <a:gd name="adj" fmla="val 6281"/>
+            </a:avLst>
+          </a:prstGeom>
+          <a:noFill/>
+          <a:ln w="12700"/>
+        </p:spPr>
+        <p:style>
+          <a:lnRef idx="2">
+            <a:schemeClr val="dk1"/>
+          </a:lnRef>
+          <a:fillRef idx="1">
+            <a:schemeClr val="lt1"/>
+          </a:fillRef>
+          <a:effectRef idx="0">
+            <a:schemeClr val="dk1"/>
+          </a:effectRef>
+          <a:fontRef idx="minor">
+            <a:schemeClr val="dk1"/>
+          </a:fontRef>
+        </p:style>
+        <p:txBody>
+          <a:bodyPr rtlCol="0" anchor="t"/>
+          <a:lstStyle/>
+          <a:p>
+            <a:pPr algn="ctr"/>
+            <a:r>
+              <a:rPr lang="en-US" altLang="ko-KR" sz="1200" b="1"/>
+              <a:t>Storage Node 01</a:t>
+            </a:r>
+            <a:br>
+              <a:rPr lang="en-US" altLang="ko-KR" sz="1200" b="1"/>
+            </a:br>
+            <a:r>
+              <a:rPr lang="en-US" altLang="ko-KR" sz="1200" b="1"/>
+              <a:t>/ Raspberry Pi 5</a:t>
+            </a:r>
+          </a:p>
+          <a:p>
+            <a:pPr algn="ctr"/>
+            <a:endParaRPr lang="en-US" altLang="ko-KR" sz="1200"/>
+          </a:p>
+          <a:p>
+            <a:r>
+              <a:rPr lang="en-US" altLang="ko-KR" sz="900"/>
+              <a:t>Hostname : dp-storage-01.local</a:t>
+            </a:r>
+          </a:p>
+          <a:p>
+            <a:r>
+              <a:rPr lang="en-US" altLang="ko-KR" sz="900"/>
+              <a:t>OS : Ubuntu Server 24.04</a:t>
+            </a:r>
+          </a:p>
+          <a:p>
+            <a:r>
+              <a:rPr lang="en-US" altLang="ko-KR" sz="900"/>
+              <a:t>CPU : 4 Core</a:t>
+            </a:r>
+            <a:br>
+              <a:rPr lang="en-US" altLang="ko-KR" sz="900"/>
+            </a:br>
+            <a:r>
+              <a:rPr lang="en-US" altLang="ko-KR" sz="900"/>
+              <a:t>Memory : 8</a:t>
+            </a:r>
+            <a:r>
+              <a:rPr lang="ko-KR" altLang="en-US" sz="900"/>
+              <a:t> </a:t>
+            </a:r>
+            <a:r>
+              <a:rPr lang="en-US" altLang="ko-KR" sz="900"/>
+              <a:t>GB</a:t>
+            </a:r>
+          </a:p>
+          <a:p>
+            <a:r>
+              <a:rPr lang="en-US" altLang="ko-KR" sz="900"/>
+              <a:t>Storage : 256 GB</a:t>
+            </a:r>
+          </a:p>
+          <a:p>
+            <a:r>
+              <a:rPr lang="en-US" altLang="ko-KR" sz="900"/>
+              <a:t>Network : 192.168.1.74</a:t>
+            </a:r>
+          </a:p>
+        </p:txBody>
+      </p:sp>
+      <p:sp>
+        <p:nvSpPr>
+          <p:cNvPr id="70" name="모서리가 둥근 직사각형 13">
+            <a:extLst>
+              <a:ext uri="{FF2B5EF4-FFF2-40B4-BE49-F238E27FC236}">
+                <a16:creationId xmlns:a16="http://schemas.microsoft.com/office/drawing/2014/main" id="{C33B4E92-7E75-3C4D-B8D9-8E4126704F6C}"/>
+              </a:ext>
+            </a:extLst>
+          </p:cNvPr>
+          <p:cNvSpPr/>
+          <p:nvPr/>
+        </p:nvSpPr>
+        <p:spPr>
+          <a:xfrm>
+            <a:off x="4535996" y="3075806"/>
+            <a:ext cx="2088232" cy="1512167"/>
+          </a:xfrm>
+          <a:prstGeom prst="roundRect">
+            <a:avLst>
+              <a:gd name="adj" fmla="val 6281"/>
+            </a:avLst>
+          </a:prstGeom>
+          <a:noFill/>
+          <a:ln w="12700"/>
+        </p:spPr>
+        <p:style>
+          <a:lnRef idx="2">
+            <a:schemeClr val="dk1"/>
+          </a:lnRef>
+          <a:fillRef idx="1">
+            <a:schemeClr val="lt1"/>
+          </a:fillRef>
+          <a:effectRef idx="0">
+            <a:schemeClr val="dk1"/>
+          </a:effectRef>
+          <a:fontRef idx="minor">
+            <a:schemeClr val="dk1"/>
+          </a:fontRef>
+        </p:style>
+        <p:txBody>
+          <a:bodyPr rtlCol="0" anchor="t"/>
+          <a:lstStyle/>
+          <a:p>
+            <a:pPr algn="ctr"/>
+            <a:r>
+              <a:rPr lang="en-US" altLang="ko-KR" sz="1200" b="1"/>
+              <a:t>Storage Node 02</a:t>
+            </a:r>
+            <a:br>
+              <a:rPr lang="en-US" altLang="ko-KR" sz="1200" b="1"/>
+            </a:br>
+            <a:r>
+              <a:rPr lang="en-US" altLang="ko-KR" sz="1200" b="1"/>
+              <a:t>/ Raspberry Pi 5</a:t>
+            </a:r>
+          </a:p>
+          <a:p>
+            <a:pPr algn="ctr"/>
+            <a:endParaRPr lang="en-US" altLang="ko-KR" sz="1200"/>
+          </a:p>
+          <a:p>
+            <a:r>
+              <a:rPr lang="en-US" altLang="ko-KR" sz="900"/>
+              <a:t>Hostname : dp-storage-02.local</a:t>
+            </a:r>
+          </a:p>
+          <a:p>
+            <a:r>
+              <a:rPr lang="en-US" altLang="ko-KR" sz="900"/>
+              <a:t>OS : Ubuntu Server 24.04</a:t>
+            </a:r>
+          </a:p>
+          <a:p>
+            <a:r>
+              <a:rPr lang="en-US" altLang="ko-KR" sz="900"/>
+              <a:t>CPU : 4 Core</a:t>
+            </a:r>
+            <a:br>
+              <a:rPr lang="en-US" altLang="ko-KR" sz="900"/>
+            </a:br>
+            <a:r>
+              <a:rPr lang="en-US" altLang="ko-KR" sz="900"/>
+              <a:t>Memory : 8</a:t>
+            </a:r>
+            <a:r>
+              <a:rPr lang="ko-KR" altLang="en-US" sz="900"/>
+              <a:t> </a:t>
+            </a:r>
+            <a:r>
+              <a:rPr lang="en-US" altLang="ko-KR" sz="900"/>
+              <a:t>GB</a:t>
+            </a:r>
+          </a:p>
+          <a:p>
+            <a:r>
+              <a:rPr lang="en-US" altLang="ko-KR" sz="900"/>
+              <a:t>Storage : 256 GB</a:t>
+            </a:r>
+          </a:p>
+          <a:p>
+            <a:r>
+              <a:rPr lang="en-US" altLang="ko-KR" sz="900"/>
+              <a:t>Network : 192.168.1.75</a:t>
+            </a:r>
+            <a:endParaRPr lang="en-US" altLang="ko-KR" sz="1200"/>
+          </a:p>
+        </p:txBody>
+      </p:sp>
+      <p:sp>
+        <p:nvSpPr>
+          <p:cNvPr id="71" name="모서리가 둥근 직사각형 13">
+            <a:extLst>
+              <a:ext uri="{FF2B5EF4-FFF2-40B4-BE49-F238E27FC236}">
+                <a16:creationId xmlns:a16="http://schemas.microsoft.com/office/drawing/2014/main" id="{E583ED3B-3C15-504D-B5CE-8BF3AAD96044}"/>
+              </a:ext>
+            </a:extLst>
+          </p:cNvPr>
+          <p:cNvSpPr/>
+          <p:nvPr/>
+        </p:nvSpPr>
+        <p:spPr>
+          <a:xfrm>
+            <a:off x="6804248" y="1364457"/>
+            <a:ext cx="2088232" cy="1512167"/>
+          </a:xfrm>
+          <a:prstGeom prst="roundRect">
+            <a:avLst>
+              <a:gd name="adj" fmla="val 6281"/>
+            </a:avLst>
+          </a:prstGeom>
+          <a:noFill/>
+          <a:ln w="12700"/>
+        </p:spPr>
+        <p:style>
+          <a:lnRef idx="2">
+            <a:schemeClr val="dk1"/>
+          </a:lnRef>
+          <a:fillRef idx="1">
+            <a:schemeClr val="lt1"/>
+          </a:fillRef>
+          <a:effectRef idx="0">
+            <a:schemeClr val="dk1"/>
+          </a:effectRef>
+          <a:fontRef idx="minor">
+            <a:schemeClr val="dk1"/>
+          </a:fontRef>
+        </p:style>
+        <p:txBody>
+          <a:bodyPr rtlCol="0" anchor="t"/>
+          <a:lstStyle/>
+          <a:p>
+            <a:pPr algn="ctr"/>
+            <a:r>
+              <a:rPr lang="en-US" altLang="ko-KR" sz="1200" b="1"/>
+              <a:t>GPU Node 01</a:t>
+            </a:r>
+            <a:br>
+              <a:rPr lang="en-US" altLang="ko-KR" sz="1200" b="1"/>
+            </a:br>
+            <a:r>
+              <a:rPr lang="en-US" altLang="ko-KR" sz="1200" b="1"/>
+              <a:t>/ Jetson Nano</a:t>
+            </a:r>
+          </a:p>
+          <a:p>
+            <a:pPr algn="ctr"/>
+            <a:endParaRPr lang="en-US" altLang="ko-KR" sz="1200"/>
+          </a:p>
+          <a:p>
+            <a:r>
+              <a:rPr lang="en-US" altLang="ko-KR" sz="900"/>
+              <a:t>Hostname : dp-gpu-01.local</a:t>
+            </a:r>
+          </a:p>
+          <a:p>
+            <a:r>
+              <a:rPr lang="en-US" altLang="ko-KR" sz="900"/>
+              <a:t>OS : NVIDIA L4T</a:t>
+            </a:r>
+          </a:p>
+          <a:p>
+            <a:r>
+              <a:rPr lang="en-US" altLang="ko-KR" sz="900"/>
+              <a:t>CPU : 4 Core</a:t>
+            </a:r>
+            <a:br>
+              <a:rPr lang="en-US" altLang="ko-KR" sz="900"/>
+            </a:br>
+            <a:r>
+              <a:rPr lang="en-US" altLang="ko-KR" sz="900"/>
+              <a:t>Memory : 4</a:t>
+            </a:r>
+            <a:r>
+              <a:rPr lang="ko-KR" altLang="en-US" sz="900"/>
+              <a:t> </a:t>
+            </a:r>
+            <a:r>
+              <a:rPr lang="en-US" altLang="ko-KR" sz="900"/>
+              <a:t>GB</a:t>
+            </a:r>
+          </a:p>
+          <a:p>
+            <a:r>
+              <a:rPr lang="en-US" altLang="ko-KR" sz="900"/>
+              <a:t>Storage : 64 GB</a:t>
+            </a:r>
+          </a:p>
+          <a:p>
+            <a:r>
+              <a:rPr lang="en-US" altLang="ko-KR" sz="900"/>
+              <a:t>Network : 192.168.1.76</a:t>
+            </a:r>
+          </a:p>
+        </p:txBody>
+      </p:sp>
+      <p:sp>
+        <p:nvSpPr>
+          <p:cNvPr id="72" name="모서리가 둥근 직사각형 13">
+            <a:extLst>
+              <a:ext uri="{FF2B5EF4-FFF2-40B4-BE49-F238E27FC236}">
+                <a16:creationId xmlns:a16="http://schemas.microsoft.com/office/drawing/2014/main" id="{F9F9F9B3-8E5C-3240-A2BF-AF1DEFE3B352}"/>
+              </a:ext>
+            </a:extLst>
+          </p:cNvPr>
+          <p:cNvSpPr/>
+          <p:nvPr/>
+        </p:nvSpPr>
+        <p:spPr>
+          <a:xfrm>
+            <a:off x="6804248" y="3075806"/>
+            <a:ext cx="2088232" cy="1512167"/>
+          </a:xfrm>
+          <a:prstGeom prst="roundRect">
+            <a:avLst>
+              <a:gd name="adj" fmla="val 6281"/>
+            </a:avLst>
+          </a:prstGeom>
+          <a:noFill/>
+          <a:ln w="12700"/>
+        </p:spPr>
+        <p:style>
+          <a:lnRef idx="2">
+            <a:schemeClr val="dk1"/>
+          </a:lnRef>
+          <a:fillRef idx="1">
+            <a:schemeClr val="lt1"/>
+          </a:fillRef>
+          <a:effectRef idx="0">
+            <a:schemeClr val="dk1"/>
+          </a:effectRef>
+          <a:fontRef idx="minor">
+            <a:schemeClr val="dk1"/>
+          </a:fontRef>
+        </p:style>
+        <p:txBody>
+          <a:bodyPr rtlCol="0" anchor="t"/>
+          <a:lstStyle/>
+          <a:p>
+            <a:pPr algn="ctr"/>
+            <a:r>
+              <a:rPr lang="en-US" altLang="ko-KR" sz="1200" b="1"/>
+              <a:t>GPU Node 02</a:t>
+            </a:r>
+            <a:br>
+              <a:rPr lang="en-US" altLang="ko-KR" sz="1200" b="1"/>
+            </a:br>
+            <a:r>
+              <a:rPr lang="en-US" altLang="ko-KR" sz="1200" b="1"/>
+              <a:t>/ Jetson Nano</a:t>
+            </a:r>
+          </a:p>
+          <a:p>
+            <a:pPr algn="ctr"/>
+            <a:endParaRPr lang="en-US" altLang="ko-KR" sz="1200"/>
+          </a:p>
+          <a:p>
+            <a:r>
+              <a:rPr lang="en-US" altLang="ko-KR" sz="900"/>
+              <a:t>Hostname : dp-gpu-02.local</a:t>
+            </a:r>
+          </a:p>
+          <a:p>
+            <a:r>
+              <a:rPr lang="en-US" altLang="ko-KR" sz="900"/>
+              <a:t>OS : NVIDIA L4T</a:t>
+            </a:r>
+          </a:p>
+          <a:p>
+            <a:r>
+              <a:rPr lang="en-US" altLang="ko-KR" sz="900"/>
+              <a:t>CPU : 4 Core</a:t>
+            </a:r>
+            <a:br>
+              <a:rPr lang="en-US" altLang="ko-KR" sz="900"/>
+            </a:br>
+            <a:r>
+              <a:rPr lang="en-US" altLang="ko-KR" sz="900"/>
+              <a:t>Memory : 4</a:t>
+            </a:r>
+            <a:r>
+              <a:rPr lang="ko-KR" altLang="en-US" sz="900"/>
+              <a:t> </a:t>
+            </a:r>
+            <a:r>
+              <a:rPr lang="en-US" altLang="ko-KR" sz="900"/>
+              <a:t>GB</a:t>
+            </a:r>
+          </a:p>
+          <a:p>
+            <a:r>
+              <a:rPr lang="en-US" altLang="ko-KR" sz="900"/>
+              <a:t>Storage : 64 GB</a:t>
+            </a:r>
+          </a:p>
+          <a:p>
+            <a:r>
+              <a:rPr lang="en-US" altLang="ko-KR" sz="900"/>
+              <a:t>Network : 192.168.1.77</a:t>
+            </a:r>
+          </a:p>
+        </p:txBody>
+      </p:sp>
+      <p:sp>
+        <p:nvSpPr>
+          <p:cNvPr id="73" name="모서리가 둥근 직사각형 13">
+            <a:extLst>
+              <a:ext uri="{FF2B5EF4-FFF2-40B4-BE49-F238E27FC236}">
+                <a16:creationId xmlns:a16="http://schemas.microsoft.com/office/drawing/2014/main" id="{A3E2F71F-5221-CA47-B8BE-EE9FDA29D668}"/>
+              </a:ext>
+            </a:extLst>
+          </p:cNvPr>
+          <p:cNvSpPr/>
+          <p:nvPr/>
+        </p:nvSpPr>
+        <p:spPr>
+          <a:xfrm>
+            <a:off x="2212314" y="716384"/>
+            <a:ext cx="2199092" cy="3930679"/>
+          </a:xfrm>
+          <a:prstGeom prst="roundRect">
+            <a:avLst>
+              <a:gd name="adj" fmla="val 6281"/>
+            </a:avLst>
+          </a:prstGeom>
+          <a:noFill/>
+          <a:ln w="12700"/>
+        </p:spPr>
+        <p:style>
+          <a:lnRef idx="2">
+            <a:schemeClr val="dk1"/>
+          </a:lnRef>
+          <a:fillRef idx="1">
+            <a:schemeClr val="lt1"/>
+          </a:fillRef>
+          <a:effectRef idx="0">
+            <a:schemeClr val="dk1"/>
+          </a:effectRef>
+          <a:fontRef idx="minor">
+            <a:schemeClr val="dk1"/>
+          </a:fontRef>
+        </p:style>
+        <p:txBody>
+          <a:bodyPr rtlCol="0" anchor="t"/>
+          <a:lstStyle/>
+          <a:p>
+            <a:pPr algn="ctr"/>
+            <a:r>
+              <a:rPr lang="en-US" altLang="ko-KR" sz="1200" b="1"/>
+              <a:t>Compute</a:t>
+            </a:r>
+            <a:br>
+              <a:rPr lang="en-US" altLang="ko-KR" sz="1200" b="1"/>
+            </a:br>
+            <a:r>
+              <a:rPr lang="en-US" altLang="ko-KR" sz="1200" b="1"/>
+              <a:t>Node Group</a:t>
+            </a:r>
+            <a:endParaRPr lang="en-US" altLang="ko-KR" sz="1100"/>
+          </a:p>
+        </p:txBody>
+      </p:sp>
+      <p:sp>
+        <p:nvSpPr>
+          <p:cNvPr id="74" name="모서리가 둥근 직사각형 13">
+            <a:extLst>
+              <a:ext uri="{FF2B5EF4-FFF2-40B4-BE49-F238E27FC236}">
+                <a16:creationId xmlns:a16="http://schemas.microsoft.com/office/drawing/2014/main" id="{35FAB8B5-D8A7-DE47-B8AB-8A7D6D0D6B39}"/>
+              </a:ext>
+            </a:extLst>
+          </p:cNvPr>
+          <p:cNvSpPr/>
+          <p:nvPr/>
+        </p:nvSpPr>
+        <p:spPr>
+          <a:xfrm>
+            <a:off x="4480566" y="716384"/>
+            <a:ext cx="2199092" cy="3930679"/>
+          </a:xfrm>
+          <a:prstGeom prst="roundRect">
+            <a:avLst>
+              <a:gd name="adj" fmla="val 6281"/>
+            </a:avLst>
+          </a:prstGeom>
+          <a:noFill/>
+          <a:ln w="12700"/>
+        </p:spPr>
+        <p:style>
+          <a:lnRef idx="2">
+            <a:schemeClr val="dk1"/>
+          </a:lnRef>
+          <a:fillRef idx="1">
+            <a:schemeClr val="lt1"/>
+          </a:fillRef>
+          <a:effectRef idx="0">
+            <a:schemeClr val="dk1"/>
+          </a:effectRef>
+          <a:fontRef idx="minor">
+            <a:schemeClr val="dk1"/>
+          </a:fontRef>
+        </p:style>
+        <p:txBody>
+          <a:bodyPr rtlCol="0" anchor="t"/>
+          <a:lstStyle/>
+          <a:p>
+            <a:pPr algn="ctr"/>
+            <a:r>
+              <a:rPr lang="en-US" altLang="ko-KR" sz="1200" b="1"/>
+              <a:t>Storage</a:t>
+            </a:r>
+            <a:br>
+              <a:rPr lang="en-US" altLang="ko-KR" sz="1200" b="1"/>
+            </a:br>
+            <a:r>
+              <a:rPr lang="en-US" altLang="ko-KR" sz="1200" b="1"/>
+              <a:t>Node Group</a:t>
+            </a:r>
+            <a:endParaRPr lang="en-US" altLang="ko-KR" sz="1100"/>
+          </a:p>
+        </p:txBody>
+      </p:sp>
+      <p:sp>
+        <p:nvSpPr>
+          <p:cNvPr id="75" name="모서리가 둥근 직사각형 13">
+            <a:extLst>
+              <a:ext uri="{FF2B5EF4-FFF2-40B4-BE49-F238E27FC236}">
+                <a16:creationId xmlns:a16="http://schemas.microsoft.com/office/drawing/2014/main" id="{DC82091A-6D3C-E745-8487-A425E1856359}"/>
+              </a:ext>
+            </a:extLst>
+          </p:cNvPr>
+          <p:cNvSpPr/>
+          <p:nvPr/>
+        </p:nvSpPr>
+        <p:spPr>
+          <a:xfrm>
+            <a:off x="6748818" y="716384"/>
+            <a:ext cx="2199092" cy="3930679"/>
+          </a:xfrm>
+          <a:prstGeom prst="roundRect">
+            <a:avLst>
+              <a:gd name="adj" fmla="val 6281"/>
+            </a:avLst>
+          </a:prstGeom>
+          <a:noFill/>
+          <a:ln w="12700"/>
+        </p:spPr>
+        <p:style>
+          <a:lnRef idx="2">
+            <a:schemeClr val="dk1"/>
+          </a:lnRef>
+          <a:fillRef idx="1">
+            <a:schemeClr val="lt1"/>
+          </a:fillRef>
+          <a:effectRef idx="0">
+            <a:schemeClr val="dk1"/>
+          </a:effectRef>
+          <a:fontRef idx="minor">
+            <a:schemeClr val="dk1"/>
+          </a:fontRef>
+        </p:style>
+        <p:txBody>
+          <a:bodyPr rtlCol="0" anchor="t"/>
+          <a:lstStyle/>
+          <a:p>
+            <a:pPr algn="ctr"/>
+            <a:r>
+              <a:rPr lang="en-US" altLang="ko-KR" sz="1200" b="1"/>
+              <a:t>GPU</a:t>
+            </a:r>
+            <a:br>
+              <a:rPr lang="en-US" altLang="ko-KR" sz="1200" b="1"/>
+            </a:br>
+            <a:r>
+              <a:rPr lang="en-US" altLang="ko-KR" sz="1200" b="1"/>
+              <a:t>Node Group</a:t>
+            </a:r>
+            <a:endParaRPr lang="en-US" altLang="ko-KR" sz="1100"/>
+          </a:p>
+        </p:txBody>
+      </p:sp>
+      <p:sp>
+        <p:nvSpPr>
+          <p:cNvPr id="12" name="모서리가 둥근 직사각형 13">
+            <a:extLst>
+              <a:ext uri="{FF2B5EF4-FFF2-40B4-BE49-F238E27FC236}">
+                <a16:creationId xmlns:a16="http://schemas.microsoft.com/office/drawing/2014/main" id="{9C74BED4-01EF-AA43-86E5-F8C0FE7B8747}"/>
+              </a:ext>
+            </a:extLst>
+          </p:cNvPr>
+          <p:cNvSpPr/>
+          <p:nvPr/>
+        </p:nvSpPr>
+        <p:spPr>
+          <a:xfrm>
+            <a:off x="107504" y="267495"/>
+            <a:ext cx="1944216" cy="720080"/>
+          </a:xfrm>
+          <a:prstGeom prst="roundRect">
+            <a:avLst>
+              <a:gd name="adj" fmla="val 8755"/>
+            </a:avLst>
+          </a:prstGeom>
+          <a:noFill/>
+          <a:ln w="12700"/>
+        </p:spPr>
+        <p:style>
+          <a:lnRef idx="2">
+            <a:schemeClr val="dk1"/>
+          </a:lnRef>
+          <a:fillRef idx="1">
+            <a:schemeClr val="lt1"/>
+          </a:fillRef>
+          <a:effectRef idx="0">
+            <a:schemeClr val="dk1"/>
+          </a:effectRef>
+          <a:fontRef idx="minor">
+            <a:schemeClr val="dk1"/>
+          </a:fontRef>
+        </p:style>
+        <p:txBody>
+          <a:bodyPr rtlCol="0" anchor="t"/>
+          <a:lstStyle/>
+          <a:p>
+            <a:pPr algn="ctr"/>
+            <a:r>
+              <a:rPr lang="en-US" altLang="ko-KR" sz="1200" b="1"/>
+              <a:t>MetalLB</a:t>
+            </a:r>
+          </a:p>
+          <a:p>
+            <a:pPr algn="ctr"/>
+            <a:endParaRPr lang="en-US" altLang="ko-KR" sz="1200"/>
+          </a:p>
+          <a:p>
+            <a:r>
+              <a:rPr lang="en-US" altLang="ko-KR" sz="900"/>
+              <a:t>Network : 192.168.1.81 ~ 192.168.1.89</a:t>
+            </a:r>
+          </a:p>
+        </p:txBody>
+      </p:sp>
+    </p:spTree>
+    <p:extLst>
+      <p:ext uri="{BB962C8B-B14F-4D97-AF65-F5344CB8AC3E}">
+        <p14:creationId xmlns:p14="http://schemas.microsoft.com/office/powerpoint/2010/main" val="1540833609"/>
+      </p:ext>
+    </p:extLst>
+  </p:cSld>
+  <p:clrMapOvr>
+    <a:masterClrMapping/>
+  </p:clrMapOvr>
+</p:sld>
+</file>
+
+<file path=ppt/slides/slide5.xml><?xml version="1.0" encoding="utf-8"?>
+<p:sld xmlns:a="http://schemas.openxmlformats.org/drawingml/2006/main" xmlns:r="http://schemas.openxmlformats.org/officeDocument/2006/relationships" xmlns:p="http://schemas.openxmlformats.org/presentationml/2006/main">
+  <p:cSld>
+    <p:spTree>
+      <p:nvGrpSpPr>
+        <p:cNvPr id="1" name=""/>
+        <p:cNvGrpSpPr/>
+        <p:nvPr/>
+      </p:nvGrpSpPr>
+      <p:grpSpPr>
+        <a:xfrm>
+          <a:off x="0" y="0"/>
+          <a:ext cx="0" cy="0"/>
+          <a:chOff x="0" y="0"/>
+          <a:chExt cx="0" cy="0"/>
+        </a:xfrm>
+      </p:grpSpPr>
       <p:pic>
         <p:nvPicPr>
           <p:cNvPr id="1060" name="Picture 36" descr="Jupyter logo - Social media &amp; Logos Icons">
@@ -13556,7 +14661,7 @@
 </p:sld>
 </file>
 
-<file path=ppt/slides/slide5.xml><?xml version="1.0" encoding="utf-8"?>
+<file path=ppt/slides/slide6.xml><?xml version="1.0" encoding="utf-8"?>
 <p:sld xmlns:a="http://schemas.openxmlformats.org/drawingml/2006/main" xmlns:r="http://schemas.openxmlformats.org/officeDocument/2006/relationships" xmlns:p="http://schemas.openxmlformats.org/presentationml/2006/main">
   <p:cSld>
     <p:spTree>
